--- a/docs/posterit/Posteri/posteri_FINAL_en.pptx
+++ b/docs/posterit/Posteri/posteri_FINAL_en.pptx
@@ -302,7 +302,7 @@
           <a:p>
             <a:fld id="{D672AF66-0BE7-423D-A1D1-0E9F1936AD3A}" type="datetimeFigureOut">
               <a:rPr lang="fi-FI" smtClean="0"/>
-              <a:t>10.10.2019</a:t>
+              <a:t>11.10.2019</a:t>
             </a:fld>
             <a:endParaRPr lang="fi-FI"/>
           </a:p>
@@ -465,7 +465,7 @@
           <a:p>
             <a:fld id="{D672AF66-0BE7-423D-A1D1-0E9F1936AD3A}" type="datetimeFigureOut">
               <a:rPr lang="fi-FI" smtClean="0"/>
-              <a:t>10.10.2019</a:t>
+              <a:t>11.10.2019</a:t>
             </a:fld>
             <a:endParaRPr lang="fi-FI"/>
           </a:p>
@@ -638,7 +638,7 @@
           <a:p>
             <a:fld id="{D672AF66-0BE7-423D-A1D1-0E9F1936AD3A}" type="datetimeFigureOut">
               <a:rPr lang="fi-FI" smtClean="0"/>
-              <a:t>10.10.2019</a:t>
+              <a:t>11.10.2019</a:t>
             </a:fld>
             <a:endParaRPr lang="fi-FI"/>
           </a:p>
@@ -801,7 +801,7 @@
           <a:p>
             <a:fld id="{D672AF66-0BE7-423D-A1D1-0E9F1936AD3A}" type="datetimeFigureOut">
               <a:rPr lang="fi-FI" smtClean="0"/>
-              <a:t>10.10.2019</a:t>
+              <a:t>11.10.2019</a:t>
             </a:fld>
             <a:endParaRPr lang="fi-FI"/>
           </a:p>
@@ -1041,7 +1041,7 @@
           <a:p>
             <a:fld id="{D672AF66-0BE7-423D-A1D1-0E9F1936AD3A}" type="datetimeFigureOut">
               <a:rPr lang="fi-FI" smtClean="0"/>
-              <a:t>10.10.2019</a:t>
+              <a:t>11.10.2019</a:t>
             </a:fld>
             <a:endParaRPr lang="fi-FI"/>
           </a:p>
@@ -1321,7 +1321,7 @@
           <a:p>
             <a:fld id="{D672AF66-0BE7-423D-A1D1-0E9F1936AD3A}" type="datetimeFigureOut">
               <a:rPr lang="fi-FI" smtClean="0"/>
-              <a:t>10.10.2019</a:t>
+              <a:t>11.10.2019</a:t>
             </a:fld>
             <a:endParaRPr lang="fi-FI"/>
           </a:p>
@@ -1735,7 +1735,7 @@
           <a:p>
             <a:fld id="{D672AF66-0BE7-423D-A1D1-0E9F1936AD3A}" type="datetimeFigureOut">
               <a:rPr lang="fi-FI" smtClean="0"/>
-              <a:t>10.10.2019</a:t>
+              <a:t>11.10.2019</a:t>
             </a:fld>
             <a:endParaRPr lang="fi-FI"/>
           </a:p>
@@ -1847,7 +1847,7 @@
           <a:p>
             <a:fld id="{D672AF66-0BE7-423D-A1D1-0E9F1936AD3A}" type="datetimeFigureOut">
               <a:rPr lang="fi-FI" smtClean="0"/>
-              <a:t>10.10.2019</a:t>
+              <a:t>11.10.2019</a:t>
             </a:fld>
             <a:endParaRPr lang="fi-FI"/>
           </a:p>
@@ -1937,7 +1937,7 @@
           <a:p>
             <a:fld id="{D672AF66-0BE7-423D-A1D1-0E9F1936AD3A}" type="datetimeFigureOut">
               <a:rPr lang="fi-FI" smtClean="0"/>
-              <a:t>10.10.2019</a:t>
+              <a:t>11.10.2019</a:t>
             </a:fld>
             <a:endParaRPr lang="fi-FI"/>
           </a:p>
@@ -2207,7 +2207,7 @@
           <a:p>
             <a:fld id="{D672AF66-0BE7-423D-A1D1-0E9F1936AD3A}" type="datetimeFigureOut">
               <a:rPr lang="fi-FI" smtClean="0"/>
-              <a:t>10.10.2019</a:t>
+              <a:t>11.10.2019</a:t>
             </a:fld>
             <a:endParaRPr lang="fi-FI"/>
           </a:p>
@@ -2454,7 +2454,7 @@
           <a:p>
             <a:fld id="{D672AF66-0BE7-423D-A1D1-0E9F1936AD3A}" type="datetimeFigureOut">
               <a:rPr lang="fi-FI" smtClean="0"/>
-              <a:t>10.10.2019</a:t>
+              <a:t>11.10.2019</a:t>
             </a:fld>
             <a:endParaRPr lang="fi-FI"/>
           </a:p>
@@ -2660,7 +2660,7 @@
           <a:p>
             <a:fld id="{D672AF66-0BE7-423D-A1D1-0E9F1936AD3A}" type="datetimeFigureOut">
               <a:rPr lang="fi-FI" smtClean="0"/>
-              <a:t>10.10.2019</a:t>
+              <a:t>11.10.2019</a:t>
             </a:fld>
             <a:endParaRPr lang="fi-FI"/>
           </a:p>
@@ -3133,61 +3133,6 @@
           </a:extLst>
         </p:spPr>
       </p:pic>
-      <p:pic>
-        <p:nvPicPr>
-          <p:cNvPr id="1036" name="Picture 12"/>
-          <p:cNvPicPr>
-            <a:picLocks noChangeAspect="1" noChangeArrowheads="1"/>
-          </p:cNvPicPr>
-          <p:nvPr/>
-        </p:nvPicPr>
-        <p:blipFill>
-          <a:blip r:embed="rId4">
-            <a:extLst>
-              <a:ext uri="{28A0092B-C50C-407E-A947-70E740481C1C}">
-                <a14:useLocalDpi xmlns:a14="http://schemas.microsoft.com/office/drawing/2010/main" val="0"/>
-              </a:ext>
-            </a:extLst>
-          </a:blip>
-          <a:srcRect/>
-          <a:stretch>
-            <a:fillRect/>
-          </a:stretch>
-        </p:blipFill>
-        <p:spPr bwMode="auto">
-          <a:xfrm>
-            <a:off x="6936581" y="1217223"/>
-            <a:ext cx="7212013" cy="12374563"/>
-          </a:xfrm>
-          <a:prstGeom prst="rect">
-            <a:avLst/>
-          </a:prstGeom>
-          <a:noFill/>
-          <a:ln>
-            <a:noFill/>
-          </a:ln>
-          <a:effectLst/>
-          <a:extLst>
-            <a:ext uri="{909E8E84-426E-40DD-AFC4-6F175D3DCCD1}">
-              <a14:hiddenFill xmlns:a14="http://schemas.microsoft.com/office/drawing/2010/main">
-                <a:solidFill>
-                  <a:schemeClr val="accent1"/>
-                </a:solidFill>
-              </a14:hiddenFill>
-            </a:ext>
-            <a:ext uri="{91240B29-F687-4F45-9708-019B960494DF}">
-              <a14:hiddenLine xmlns:a14="http://schemas.microsoft.com/office/drawing/2010/main" w="9525">
-                <a:solidFill>
-                  <a:schemeClr val="tx1"/>
-                </a:solidFill>
-                <a:miter lim="800000"/>
-                <a:headEnd/>
-                <a:tailEnd/>
-              </a14:hiddenLine>
-            </a:ext>
-          </a:extLst>
-        </p:spPr>
-      </p:pic>
       <p:grpSp>
         <p:nvGrpSpPr>
           <p:cNvPr id="3" name="Group 2"/>
@@ -3211,7 +3156,7 @@
             <p:nvPr/>
           </p:nvPicPr>
           <p:blipFill>
-            <a:blip r:embed="rId5">
+            <a:blip r:embed="rId4">
               <a:extLst>
                 <a:ext uri="{28A0092B-C50C-407E-A947-70E740481C1C}">
                   <a14:useLocalDpi xmlns:a14="http://schemas.microsoft.com/office/drawing/2010/main" val="0"/>
@@ -3301,7 +3246,7 @@
             <a:p>
               <a:pPr algn="ctr"/>
               <a:r>
-                <a:rPr lang="en-US" sz="2200" b="1" dirty="0">
+                <a:rPr lang="en-US" sz="2200" b="1" dirty="0" smtClean="0">
                   <a:solidFill>
                     <a:srgbClr val="16373A"/>
                   </a:solidFill>
@@ -3309,8 +3254,16 @@
                   <a:ea typeface="Verdana" panose="020B0604030504040204" pitchFamily="34" charset="0"/>
                   <a:cs typeface="Verdana" panose="020B0604030504040204" pitchFamily="34" charset="0"/>
                 </a:rPr>
-                <a:t>Creating a TIM document</a:t>
+                <a:t>Author</a:t>
               </a:r>
+              <a:endParaRPr lang="en-US" sz="2200" b="1" dirty="0">
+                <a:solidFill>
+                  <a:srgbClr val="16373A"/>
+                </a:solidFill>
+                <a:latin typeface="Verdana" panose="020B0604030504040204" pitchFamily="34" charset="0"/>
+                <a:ea typeface="Verdana" panose="020B0604030504040204" pitchFamily="34" charset="0"/>
+                <a:cs typeface="Verdana" panose="020B0604030504040204" pitchFamily="34" charset="0"/>
+              </a:endParaRPr>
             </a:p>
             <a:p>
               <a:pPr algn="ctr"/>
@@ -3337,8 +3290,49 @@
                   <a:ea typeface="Verdana" panose="020B0604030504040204" pitchFamily="34" charset="0"/>
                   <a:cs typeface="Verdana" panose="020B0604030504040204" pitchFamily="34" charset="0"/>
                 </a:rPr>
-                <a:t> happens in a web browser.</a:t>
+                <a:t> </a:t>
               </a:r>
+              <a:r>
+                <a:rPr lang="en-US" sz="2200" dirty="0" smtClean="0">
+                  <a:solidFill>
+                    <a:srgbClr val="16373A"/>
+                  </a:solidFill>
+                  <a:latin typeface="Verdana" panose="020B0604030504040204" pitchFamily="34" charset="0"/>
+                  <a:ea typeface="Verdana" panose="020B0604030504040204" pitchFamily="34" charset="0"/>
+                  <a:cs typeface="Verdana" panose="020B0604030504040204" pitchFamily="34" charset="0"/>
+                </a:rPr>
+                <a:t>can simply use </a:t>
+              </a:r>
+              <a:r>
+                <a:rPr lang="en-US" sz="2200" dirty="0">
+                  <a:solidFill>
+                    <a:srgbClr val="16373A"/>
+                  </a:solidFill>
+                  <a:latin typeface="Verdana" panose="020B0604030504040204" pitchFamily="34" charset="0"/>
+                  <a:ea typeface="Verdana" panose="020B0604030504040204" pitchFamily="34" charset="0"/>
+                  <a:cs typeface="Verdana" panose="020B0604030504040204" pitchFamily="34" charset="0"/>
+                </a:rPr>
+                <a:t>a web </a:t>
+              </a:r>
+              <a:r>
+                <a:rPr lang="en-US" sz="2200" dirty="0" smtClean="0">
+                  <a:solidFill>
+                    <a:srgbClr val="16373A"/>
+                  </a:solidFill>
+                  <a:latin typeface="Verdana" panose="020B0604030504040204" pitchFamily="34" charset="0"/>
+                  <a:ea typeface="Verdana" panose="020B0604030504040204" pitchFamily="34" charset="0"/>
+                  <a:cs typeface="Verdana" panose="020B0604030504040204" pitchFamily="34" charset="0"/>
+                </a:rPr>
+                <a:t>browser</a:t>
+              </a:r>
+              <a:endParaRPr lang="en-US" sz="2200" dirty="0">
+                <a:solidFill>
+                  <a:srgbClr val="16373A"/>
+                </a:solidFill>
+                <a:latin typeface="Verdana" panose="020B0604030504040204" pitchFamily="34" charset="0"/>
+                <a:ea typeface="Verdana" panose="020B0604030504040204" pitchFamily="34" charset="0"/>
+                <a:cs typeface="Verdana" panose="020B0604030504040204" pitchFamily="34" charset="0"/>
+              </a:endParaRPr>
             </a:p>
             <a:p>
               <a:pPr marL="342900" indent="-342900" algn="ctr">
@@ -3354,7 +3348,84 @@
                   <a:ea typeface="Verdana" panose="020B0604030504040204" pitchFamily="34" charset="0"/>
                   <a:cs typeface="Verdana" panose="020B0604030504040204" pitchFamily="34" charset="0"/>
                 </a:rPr>
-                <a:t>interactive elements can be added and modified just like text and images.</a:t>
+                <a:t>c</a:t>
+              </a:r>
+              <a:r>
+                <a:rPr lang="en-US" sz="2200" dirty="0" smtClean="0">
+                  <a:solidFill>
+                    <a:srgbClr val="16373A"/>
+                  </a:solidFill>
+                  <a:latin typeface="Verdana" panose="020B0604030504040204" pitchFamily="34" charset="0"/>
+                  <a:ea typeface="Verdana" panose="020B0604030504040204" pitchFamily="34" charset="0"/>
+                  <a:cs typeface="Verdana" panose="020B0604030504040204" pitchFamily="34" charset="0"/>
+                </a:rPr>
+                <a:t>an add </a:t>
+              </a:r>
+              <a:r>
+                <a:rPr lang="en-US" sz="2200" dirty="0" smtClean="0">
+                  <a:solidFill>
+                    <a:srgbClr val="16373A"/>
+                  </a:solidFill>
+                  <a:latin typeface="Verdana" panose="020B0604030504040204" pitchFamily="34" charset="0"/>
+                  <a:ea typeface="Verdana" panose="020B0604030504040204" pitchFamily="34" charset="0"/>
+                  <a:cs typeface="Verdana" panose="020B0604030504040204" pitchFamily="34" charset="0"/>
+                </a:rPr>
+                <a:t>and modify </a:t>
+              </a:r>
+              <a:r>
+                <a:rPr lang="en-US" sz="2200" dirty="0">
+                  <a:solidFill>
+                    <a:srgbClr val="16373A"/>
+                  </a:solidFill>
+                  <a:latin typeface="Verdana" panose="020B0604030504040204" pitchFamily="34" charset="0"/>
+                  <a:ea typeface="Verdana" panose="020B0604030504040204" pitchFamily="34" charset="0"/>
+                  <a:cs typeface="Verdana" panose="020B0604030504040204" pitchFamily="34" charset="0"/>
+                </a:rPr>
+                <a:t>interactive </a:t>
+              </a:r>
+              <a:r>
+                <a:rPr lang="en-US" sz="2200" dirty="0" smtClean="0">
+                  <a:solidFill>
+                    <a:srgbClr val="16373A"/>
+                  </a:solidFill>
+                  <a:latin typeface="Verdana" panose="020B0604030504040204" pitchFamily="34" charset="0"/>
+                  <a:ea typeface="Verdana" panose="020B0604030504040204" pitchFamily="34" charset="0"/>
+                  <a:cs typeface="Verdana" panose="020B0604030504040204" pitchFamily="34" charset="0"/>
+                </a:rPr>
+                <a:t>elements</a:t>
+              </a:r>
+              <a:r>
+                <a:rPr lang="en-US" sz="2200" dirty="0" smtClean="0">
+                  <a:solidFill>
+                    <a:srgbClr val="16373A"/>
+                  </a:solidFill>
+                  <a:latin typeface="Verdana" panose="020B0604030504040204" pitchFamily="34" charset="0"/>
+                  <a:ea typeface="Verdana" panose="020B0604030504040204" pitchFamily="34" charset="0"/>
+                  <a:cs typeface="Verdana" panose="020B0604030504040204" pitchFamily="34" charset="0"/>
+                </a:rPr>
+                <a:t> just </a:t>
+              </a:r>
+              <a:r>
+                <a:rPr lang="en-US" sz="2200" dirty="0">
+                  <a:solidFill>
+                    <a:srgbClr val="16373A"/>
+                  </a:solidFill>
+                  <a:latin typeface="Verdana" panose="020B0604030504040204" pitchFamily="34" charset="0"/>
+                  <a:ea typeface="Verdana" panose="020B0604030504040204" pitchFamily="34" charset="0"/>
+                  <a:cs typeface="Verdana" panose="020B0604030504040204" pitchFamily="34" charset="0"/>
+                </a:rPr>
+                <a:t>like text and </a:t>
+              </a:r>
+              <a:r>
+                <a:rPr lang="en-US" sz="2200" dirty="0" smtClean="0">
+                  <a:solidFill>
+                    <a:srgbClr val="16373A"/>
+                  </a:solidFill>
+                  <a:latin typeface="Verdana" panose="020B0604030504040204" pitchFamily="34" charset="0"/>
+                  <a:ea typeface="Verdana" panose="020B0604030504040204" pitchFamily="34" charset="0"/>
+                  <a:cs typeface="Verdana" panose="020B0604030504040204" pitchFamily="34" charset="0"/>
+                </a:rPr>
+                <a:t>images</a:t>
               </a:r>
               <a:endParaRPr lang="fi-FI" sz="1800" dirty="0">
                 <a:solidFill>
@@ -3377,7 +3448,7 @@
           <p:nvPr/>
         </p:nvPicPr>
         <p:blipFill>
-          <a:blip r:embed="rId6">
+          <a:blip r:embed="rId5">
             <a:extLst>
               <a:ext uri="{28A0092B-C50C-407E-A947-70E740481C1C}">
                 <a14:useLocalDpi xmlns:a14="http://schemas.microsoft.com/office/drawing/2010/main" val="0"/>
@@ -3422,200 +3493,6 @@
           </a:extLst>
         </p:spPr>
       </p:pic>
-      <p:sp>
-        <p:nvSpPr>
-          <p:cNvPr id="36" name="Rounded Rectangle 35"/>
-          <p:cNvSpPr/>
-          <p:nvPr/>
-        </p:nvSpPr>
-        <p:spPr>
-          <a:xfrm>
-            <a:off x="5004768" y="10443425"/>
-            <a:ext cx="5688632" cy="3945039"/>
-          </a:xfrm>
-          <a:prstGeom prst="roundRect">
-            <a:avLst>
-              <a:gd name="adj" fmla="val 25116"/>
-            </a:avLst>
-          </a:prstGeom>
-          <a:solidFill>
-            <a:srgbClr val="ECF7F8"/>
-          </a:solidFill>
-          <a:ln>
-            <a:solidFill>
-              <a:srgbClr val="ABDBDF"/>
-            </a:solidFill>
-          </a:ln>
-        </p:spPr>
-        <p:style>
-          <a:lnRef idx="1">
-            <a:schemeClr val="accent5"/>
-          </a:lnRef>
-          <a:fillRef idx="2">
-            <a:schemeClr val="accent5"/>
-          </a:fillRef>
-          <a:effectRef idx="1">
-            <a:schemeClr val="accent5"/>
-          </a:effectRef>
-          <a:fontRef idx="minor">
-            <a:schemeClr val="dk1"/>
-          </a:fontRef>
-        </p:style>
-        <p:txBody>
-          <a:bodyPr rtlCol="0" anchor="ctr"/>
-          <a:lstStyle/>
-          <a:p>
-            <a:pPr algn="ctr"/>
-            <a:r>
-              <a:rPr lang="en-US" sz="2200" b="1" dirty="0">
-                <a:solidFill>
-                  <a:srgbClr val="16373A"/>
-                </a:solidFill>
-                <a:latin typeface="Verdana" panose="020B0604030504040204" pitchFamily="34" charset="0"/>
-                <a:ea typeface="Verdana" panose="020B0604030504040204" pitchFamily="34" charset="0"/>
-                <a:cs typeface="Verdana" panose="020B0604030504040204" pitchFamily="34" charset="0"/>
-              </a:rPr>
-              <a:t>For a reader</a:t>
-            </a:r>
-          </a:p>
-          <a:p>
-            <a:pPr algn="ctr"/>
-            <a:endParaRPr lang="fi-FI" sz="2200" b="1" dirty="0">
-              <a:solidFill>
-                <a:srgbClr val="16373A"/>
-              </a:solidFill>
-              <a:latin typeface="Verdana" panose="020B0604030504040204" pitchFamily="34" charset="0"/>
-              <a:ea typeface="Verdana" panose="020B0604030504040204" pitchFamily="34" charset="0"/>
-              <a:cs typeface="Verdana" panose="020B0604030504040204" pitchFamily="34" charset="0"/>
-            </a:endParaRPr>
-          </a:p>
-          <a:p>
-            <a:pPr marL="285750" indent="-285750" algn="ctr">
-              <a:buFont typeface="Arial" panose="020B0604020202020204" pitchFamily="34" charset="0"/>
-              <a:buChar char="•"/>
-            </a:pPr>
-            <a:r>
-              <a:rPr lang="en-US" sz="2200" dirty="0">
-                <a:solidFill>
-                  <a:srgbClr val="16373A"/>
-                </a:solidFill>
-                <a:latin typeface="Verdana" panose="020B0604030504040204" pitchFamily="34" charset="0"/>
-                <a:ea typeface="Verdana" panose="020B0604030504040204" pitchFamily="34" charset="0"/>
-                <a:cs typeface="Verdana" panose="020B0604030504040204" pitchFamily="34" charset="0"/>
-              </a:rPr>
-              <a:t>Reader can do the </a:t>
-            </a:r>
-            <a:r>
-              <a:rPr lang="en-US" sz="2200" b="1" dirty="0">
-                <a:solidFill>
-                  <a:srgbClr val="16373A"/>
-                </a:solidFill>
-                <a:latin typeface="Verdana" panose="020B0604030504040204" pitchFamily="34" charset="0"/>
-                <a:ea typeface="Verdana" panose="020B0604030504040204" pitchFamily="34" charset="0"/>
-                <a:cs typeface="Verdana" panose="020B0604030504040204" pitchFamily="34" charset="0"/>
-              </a:rPr>
-              <a:t>assignments</a:t>
-            </a:r>
-            <a:r>
-              <a:rPr lang="en-US" sz="2200" dirty="0">
-                <a:solidFill>
-                  <a:srgbClr val="16373A"/>
-                </a:solidFill>
-                <a:latin typeface="Verdana" panose="020B0604030504040204" pitchFamily="34" charset="0"/>
-                <a:ea typeface="Verdana" panose="020B0604030504040204" pitchFamily="34" charset="0"/>
-                <a:cs typeface="Verdana" panose="020B0604030504040204" pitchFamily="34" charset="0"/>
-              </a:rPr>
-              <a:t> that are embedded in the material</a:t>
-            </a:r>
-          </a:p>
-          <a:p>
-            <a:pPr marL="285750" indent="-285750" algn="ctr">
-              <a:buFont typeface="Arial" panose="020B0604020202020204" pitchFamily="34" charset="0"/>
-              <a:buChar char="•"/>
-            </a:pPr>
-            <a:r>
-              <a:rPr lang="en-US" sz="2200" dirty="0">
-                <a:solidFill>
-                  <a:srgbClr val="16373A"/>
-                </a:solidFill>
-                <a:latin typeface="Verdana" panose="020B0604030504040204" pitchFamily="34" charset="0"/>
-                <a:ea typeface="Verdana" panose="020B0604030504040204" pitchFamily="34" charset="0"/>
-                <a:cs typeface="Verdana" panose="020B0604030504040204" pitchFamily="34" charset="0"/>
-              </a:rPr>
-              <a:t> </a:t>
-            </a:r>
-            <a:r>
-              <a:rPr lang="en-US" sz="2200" b="1" dirty="0">
-                <a:solidFill>
-                  <a:srgbClr val="16373A"/>
-                </a:solidFill>
-                <a:latin typeface="Verdana" panose="020B0604030504040204" pitchFamily="34" charset="0"/>
-                <a:ea typeface="Verdana" panose="020B0604030504040204" pitchFamily="34" charset="0"/>
-                <a:cs typeface="Verdana" panose="020B0604030504040204" pitchFamily="34" charset="0"/>
-              </a:rPr>
-              <a:t>Orange indicators</a:t>
-            </a:r>
-            <a:r>
-              <a:rPr lang="en-US" sz="2200" dirty="0">
-                <a:solidFill>
-                  <a:srgbClr val="16373A"/>
-                </a:solidFill>
-                <a:latin typeface="Verdana" panose="020B0604030504040204" pitchFamily="34" charset="0"/>
-                <a:ea typeface="Verdana" panose="020B0604030504040204" pitchFamily="34" charset="0"/>
-                <a:cs typeface="Verdana" panose="020B0604030504040204" pitchFamily="34" charset="0"/>
-              </a:rPr>
-              <a:t> appear next to unread text paragraphs</a:t>
-            </a:r>
-          </a:p>
-          <a:p>
-            <a:pPr marL="285750" indent="-285750" algn="ctr">
-              <a:buFont typeface="Arial" panose="020B0604020202020204" pitchFamily="34" charset="0"/>
-              <a:buChar char="•"/>
-            </a:pPr>
-            <a:r>
-              <a:rPr lang="en-US" sz="2200" dirty="0">
-                <a:solidFill>
-                  <a:srgbClr val="16373A"/>
-                </a:solidFill>
-                <a:latin typeface="Verdana" panose="020B0604030504040204" pitchFamily="34" charset="0"/>
-                <a:ea typeface="Verdana" panose="020B0604030504040204" pitchFamily="34" charset="0"/>
-                <a:cs typeface="Verdana" panose="020B0604030504040204" pitchFamily="34" charset="0"/>
-              </a:rPr>
-              <a:t> Material can be </a:t>
-            </a:r>
-            <a:r>
-              <a:rPr lang="en-US" sz="2200" b="1" dirty="0">
-                <a:solidFill>
-                  <a:srgbClr val="16373A"/>
-                </a:solidFill>
-                <a:latin typeface="Verdana" panose="020B0604030504040204" pitchFamily="34" charset="0"/>
-                <a:ea typeface="Verdana" panose="020B0604030504040204" pitchFamily="34" charset="0"/>
-                <a:cs typeface="Verdana" panose="020B0604030504040204" pitchFamily="34" charset="0"/>
-              </a:rPr>
-              <a:t>commented</a:t>
-            </a:r>
-            <a:r>
-              <a:rPr lang="en-US" sz="2200" dirty="0">
-                <a:solidFill>
-                  <a:srgbClr val="16373A"/>
-                </a:solidFill>
-                <a:latin typeface="Verdana" panose="020B0604030504040204" pitchFamily="34" charset="0"/>
-                <a:ea typeface="Verdana" panose="020B0604030504040204" pitchFamily="34" charset="0"/>
-                <a:cs typeface="Verdana" panose="020B0604030504040204" pitchFamily="34" charset="0"/>
-              </a:rPr>
-              <a:t> for the user him/herself or publicly</a:t>
-            </a:r>
-            <a:endParaRPr lang="fi-FI" sz="2200" dirty="0">
-              <a:solidFill>
-                <a:srgbClr val="16373A"/>
-              </a:solidFill>
-              <a:latin typeface="Verdana" panose="020B0604030504040204" pitchFamily="34" charset="0"/>
-              <a:ea typeface="Verdana" panose="020B0604030504040204" pitchFamily="34" charset="0"/>
-              <a:cs typeface="Verdana" panose="020B0604030504040204" pitchFamily="34" charset="0"/>
-            </a:endParaRPr>
-          </a:p>
-        </p:txBody>
-      </p:sp>
       <p:grpSp>
         <p:nvGrpSpPr>
           <p:cNvPr id="5" name="Group 4"/>
@@ -3723,10 +3600,32 @@
                   <a:ea typeface="Verdana" panose="020B0604030504040204" pitchFamily="34" charset="0"/>
                   <a:cs typeface="Verdana" panose="020B0604030504040204" pitchFamily="34" charset="0"/>
                 </a:rPr>
-                <a:t>a web browser based electronic learning material, based on the concept of </a:t>
+                <a:t>a web </a:t>
               </a:r>
               <a:r>
-                <a:rPr lang="en-US" sz="2200" b="1" dirty="0">
+                <a:rPr lang="en-US" sz="2200" dirty="0" smtClean="0">
+                  <a:solidFill>
+                    <a:srgbClr val="16373A"/>
+                  </a:solidFill>
+                  <a:latin typeface="Verdana" panose="020B0604030504040204" pitchFamily="34" charset="0"/>
+                  <a:ea typeface="Verdana" panose="020B0604030504040204" pitchFamily="34" charset="0"/>
+                  <a:cs typeface="Verdana" panose="020B0604030504040204" pitchFamily="34" charset="0"/>
+                </a:rPr>
+                <a:t>browser-based </a:t>
+              </a:r>
+              <a:r>
+                <a:rPr lang="en-US" sz="2200" dirty="0">
+                  <a:solidFill>
+                    <a:srgbClr val="16373A"/>
+                  </a:solidFill>
+                  <a:latin typeface="Verdana" panose="020B0604030504040204" pitchFamily="34" charset="0"/>
+                  <a:ea typeface="Verdana" panose="020B0604030504040204" pitchFamily="34" charset="0"/>
+                  <a:cs typeface="Verdana" panose="020B0604030504040204" pitchFamily="34" charset="0"/>
+                </a:rPr>
+                <a:t>electronic learning material, based on the concept of </a:t>
+              </a:r>
+              <a:r>
+                <a:rPr lang="en-US" sz="2200" b="1" dirty="0" smtClean="0">
                   <a:solidFill>
                     <a:srgbClr val="16373A"/>
                   </a:solidFill>
@@ -3735,17 +3634,6 @@
                   <a:cs typeface="Verdana" panose="020B0604030504040204" pitchFamily="34" charset="0"/>
                 </a:rPr>
                 <a:t>documents</a:t>
-              </a:r>
-              <a:r>
-                <a:rPr lang="en-US" sz="2200" dirty="0">
-                  <a:solidFill>
-                    <a:srgbClr val="16373A"/>
-                  </a:solidFill>
-                  <a:latin typeface="Verdana" panose="020B0604030504040204" pitchFamily="34" charset="0"/>
-                  <a:ea typeface="Verdana" panose="020B0604030504040204" pitchFamily="34" charset="0"/>
-                  <a:cs typeface="Verdana" panose="020B0604030504040204" pitchFamily="34" charset="0"/>
-                </a:rPr>
-                <a:t>.</a:t>
               </a:r>
               <a:endParaRPr lang="fi-FI" sz="2200" dirty="0">
                 <a:solidFill>
@@ -3770,7 +3658,29 @@
                   <a:ea typeface="Verdana" panose="020B0604030504040204" pitchFamily="34" charset="0"/>
                   <a:cs typeface="Verdana" panose="020B0604030504040204" pitchFamily="34" charset="0"/>
                 </a:rPr>
-                <a:t>A document is a continuous stream of elements, such as text, images, and many kinds of </a:t>
+                <a:t>a</a:t>
+              </a:r>
+              <a:r>
+                <a:rPr lang="en-US" sz="2200" dirty="0" smtClean="0">
+                  <a:solidFill>
+                    <a:srgbClr val="16373A"/>
+                  </a:solidFill>
+                  <a:latin typeface="Verdana" panose="020B0604030504040204" pitchFamily="34" charset="0"/>
+                  <a:ea typeface="Verdana" panose="020B0604030504040204" pitchFamily="34" charset="0"/>
+                  <a:cs typeface="Verdana" panose="020B0604030504040204" pitchFamily="34" charset="0"/>
+                </a:rPr>
+                <a:t> </a:t>
+              </a:r>
+              <a:r>
+                <a:rPr lang="en-US" sz="2200" dirty="0">
+                  <a:solidFill>
+                    <a:srgbClr val="16373A"/>
+                  </a:solidFill>
+                  <a:latin typeface="Verdana" panose="020B0604030504040204" pitchFamily="34" charset="0"/>
+                  <a:ea typeface="Verdana" panose="020B0604030504040204" pitchFamily="34" charset="0"/>
+                  <a:cs typeface="Verdana" panose="020B0604030504040204" pitchFamily="34" charset="0"/>
+                </a:rPr>
+                <a:t>document is a continuous stream of elements, such as text, images, and many kinds of </a:t>
               </a:r>
               <a:r>
                 <a:rPr lang="en-US" sz="2200" b="1" dirty="0">
@@ -3803,7 +3713,7 @@
             <p:nvPr/>
           </p:nvPicPr>
           <p:blipFill>
-            <a:blip r:embed="rId7">
+            <a:blip r:embed="rId6">
               <a:extLst>
                 <a:ext uri="{28A0092B-C50C-407E-A947-70E740481C1C}">
                   <a14:useLocalDpi xmlns:a14="http://schemas.microsoft.com/office/drawing/2010/main" val="0"/>
@@ -3859,7 +3769,7 @@
             <p:nvPr/>
           </p:nvPicPr>
           <p:blipFill>
-            <a:blip r:embed="rId8" cstate="print">
+            <a:blip r:embed="rId7" cstate="print">
               <a:extLst>
                 <a:ext uri="{28A0092B-C50C-407E-A947-70E740481C1C}">
                   <a14:useLocalDpi xmlns:a14="http://schemas.microsoft.com/office/drawing/2010/main" val="0"/>
@@ -3917,7 +3827,7 @@
               <p:nvPr/>
             </p:nvPicPr>
             <p:blipFill>
-              <a:blip r:embed="rId9" cstate="print">
+              <a:blip r:embed="rId8" cstate="print">
                 <a:extLst>
                   <a:ext uri="{28A0092B-C50C-407E-A947-70E740481C1C}">
                     <a14:useLocalDpi xmlns:a14="http://schemas.microsoft.com/office/drawing/2010/main" val="0"/>
@@ -3971,7 +3881,7 @@
               <p:nvPr/>
             </p:nvPicPr>
             <p:blipFill>
-              <a:blip r:embed="rId10" cstate="print">
+              <a:blip r:embed="rId9" cstate="print">
                 <a:extLst>
                   <a:ext uri="{28A0092B-C50C-407E-A947-70E740481C1C}">
                     <a14:useLocalDpi xmlns:a14="http://schemas.microsoft.com/office/drawing/2010/main" val="0"/>
@@ -4012,7 +3922,7 @@
               <p:nvPr/>
             </p:nvPicPr>
             <p:blipFill>
-              <a:blip r:embed="rId11" cstate="print">
+              <a:blip r:embed="rId10" cstate="print">
                 <a:extLst>
                   <a:ext uri="{28A0092B-C50C-407E-A947-70E740481C1C}">
                     <a14:useLocalDpi xmlns:a14="http://schemas.microsoft.com/office/drawing/2010/main" val="0"/>
@@ -4053,7 +3963,7 @@
               <p:nvPr/>
             </p:nvPicPr>
             <p:blipFill>
-              <a:blip r:embed="rId12" cstate="print">
+              <a:blip r:embed="rId11" cstate="print">
                 <a:extLst>
                   <a:ext uri="{28A0092B-C50C-407E-A947-70E740481C1C}">
                     <a14:useLocalDpi xmlns:a14="http://schemas.microsoft.com/office/drawing/2010/main" val="0"/>
@@ -4094,7 +4004,7 @@
               <p:nvPr/>
             </p:nvPicPr>
             <p:blipFill>
-              <a:blip r:embed="rId13" cstate="print">
+              <a:blip r:embed="rId12" cstate="print">
                 <a:extLst>
                   <a:ext uri="{28A0092B-C50C-407E-A947-70E740481C1C}">
                     <a14:useLocalDpi xmlns:a14="http://schemas.microsoft.com/office/drawing/2010/main" val="0"/>
@@ -4136,7 +4046,7 @@
             <p:nvPr/>
           </p:nvPicPr>
           <p:blipFill>
-            <a:blip r:embed="rId14">
+            <a:blip r:embed="rId13">
               <a:extLst>
                 <a:ext uri="{28A0092B-C50C-407E-A947-70E740481C1C}">
                   <a14:useLocalDpi xmlns:a14="http://schemas.microsoft.com/office/drawing/2010/main" val="0"/>
@@ -4204,7 +4114,7 @@
               <p:nvPr/>
             </p:nvPicPr>
             <p:blipFill>
-              <a:blip r:embed="rId15" cstate="print">
+              <a:blip r:embed="rId14" cstate="print">
                 <a:extLst>
                   <a:ext uri="{28A0092B-C50C-407E-A947-70E740481C1C}">
                     <a14:useLocalDpi xmlns:a14="http://schemas.microsoft.com/office/drawing/2010/main" val="0"/>
@@ -4245,7 +4155,7 @@
               <p:nvPr/>
             </p:nvPicPr>
             <p:blipFill>
-              <a:blip r:embed="rId16" cstate="print">
+              <a:blip r:embed="rId15" cstate="print">
                 <a:extLst>
                   <a:ext uri="{28A0092B-C50C-407E-A947-70E740481C1C}">
                     <a14:useLocalDpi xmlns:a14="http://schemas.microsoft.com/office/drawing/2010/main" val="0"/>
@@ -4286,7 +4196,7 @@
               <p:nvPr/>
             </p:nvPicPr>
             <p:blipFill>
-              <a:blip r:embed="rId17" cstate="print">
+              <a:blip r:embed="rId16" cstate="print">
                 <a:extLst>
                   <a:ext uri="{28A0092B-C50C-407E-A947-70E740481C1C}">
                     <a14:useLocalDpi xmlns:a14="http://schemas.microsoft.com/office/drawing/2010/main" val="0"/>
@@ -4327,7 +4237,7 @@
               <p:nvPr/>
             </p:nvPicPr>
             <p:blipFill>
-              <a:blip r:embed="rId18" cstate="print">
+              <a:blip r:embed="rId17" cstate="print">
                 <a:extLst>
                   <a:ext uri="{28A0092B-C50C-407E-A947-70E740481C1C}">
                     <a14:useLocalDpi xmlns:a14="http://schemas.microsoft.com/office/drawing/2010/main" val="0"/>
@@ -4405,7 +4315,7 @@
             <a:p>
               <a:pPr algn="ctr"/>
               <a:r>
-                <a:rPr lang="en-US" sz="2200" b="1" dirty="0">
+                <a:rPr lang="en-US" sz="2200" b="1" dirty="0" smtClean="0">
                   <a:solidFill>
                     <a:srgbClr val="16373A"/>
                   </a:solidFill>
@@ -4413,8 +4323,16 @@
                   <a:ea typeface="Verdana" panose="020B0604030504040204" pitchFamily="34" charset="0"/>
                   <a:cs typeface="Verdana" panose="020B0604030504040204" pitchFamily="34" charset="0"/>
                 </a:rPr>
-                <a:t>For a teacher</a:t>
+                <a:t>Teacher</a:t>
               </a:r>
+              <a:endParaRPr lang="en-US" sz="2200" b="1" dirty="0">
+                <a:solidFill>
+                  <a:srgbClr val="16373A"/>
+                </a:solidFill>
+                <a:latin typeface="Verdana" panose="020B0604030504040204" pitchFamily="34" charset="0"/>
+                <a:ea typeface="Verdana" panose="020B0604030504040204" pitchFamily="34" charset="0"/>
+                <a:cs typeface="Verdana" panose="020B0604030504040204" pitchFamily="34" charset="0"/>
+              </a:endParaRPr>
             </a:p>
             <a:p>
               <a:pPr algn="ctr"/>
@@ -4433,7 +4351,7 @@
                 <a:buChar char="•"/>
               </a:pPr>
               <a:r>
-                <a:rPr lang="en-US" sz="2200" dirty="0">
+                <a:rPr lang="en-US" sz="2200" dirty="0" smtClean="0">
                   <a:solidFill>
                     <a:srgbClr val="16373A"/>
                   </a:solidFill>
@@ -4441,7 +4359,7 @@
                   <a:ea typeface="Verdana" panose="020B0604030504040204" pitchFamily="34" charset="0"/>
                   <a:cs typeface="Verdana" panose="020B0604030504040204" pitchFamily="34" charset="0"/>
                 </a:rPr>
-                <a:t> Teacher can </a:t>
+                <a:t>can </a:t>
               </a:r>
               <a:r>
                 <a:rPr lang="en-US" sz="2200" b="1" dirty="0">
@@ -4516,7 +4434,7 @@
                 <a:buChar char="•"/>
               </a:pPr>
               <a:r>
-                <a:rPr lang="en-US" sz="2200" dirty="0">
+                <a:rPr lang="en-US" sz="2200" dirty="0" smtClean="0">
                   <a:solidFill>
                     <a:srgbClr val="16373A"/>
                   </a:solidFill>
@@ -4524,7 +4442,29 @@
                   <a:ea typeface="Verdana" panose="020B0604030504040204" pitchFamily="34" charset="0"/>
                   <a:cs typeface="Verdana" panose="020B0604030504040204" pitchFamily="34" charset="0"/>
                 </a:rPr>
-                <a:t>  Teacher is provided with a </a:t>
+                <a:t>is </a:t>
+              </a:r>
+              <a:r>
+                <a:rPr lang="en-US" sz="2200" dirty="0">
+                  <a:solidFill>
+                    <a:srgbClr val="16373A"/>
+                  </a:solidFill>
+                  <a:latin typeface="Verdana" panose="020B0604030504040204" pitchFamily="34" charset="0"/>
+                  <a:ea typeface="Verdana" panose="020B0604030504040204" pitchFamily="34" charset="0"/>
+                  <a:cs typeface="Verdana" panose="020B0604030504040204" pitchFamily="34" charset="0"/>
+                </a:rPr>
+                <a:t>provided with </a:t>
+              </a:r>
+              <a:r>
+                <a:rPr lang="en-US" sz="2200" dirty="0" smtClean="0">
+                  <a:solidFill>
+                    <a:srgbClr val="16373A"/>
+                  </a:solidFill>
+                  <a:latin typeface="Verdana" panose="020B0604030504040204" pitchFamily="34" charset="0"/>
+                  <a:ea typeface="Verdana" panose="020B0604030504040204" pitchFamily="34" charset="0"/>
+                  <a:cs typeface="Verdana" panose="020B0604030504040204" pitchFamily="34" charset="0"/>
+                </a:rPr>
+                <a:t>an </a:t>
               </a:r>
               <a:r>
                 <a:rPr lang="en-US" sz="2200" b="1" dirty="0">
@@ -4563,10 +4503,43 @@
                   <a:ea typeface="Verdana" panose="020B0604030504040204" pitchFamily="34" charset="0"/>
                   <a:cs typeface="Verdana" panose="020B0604030504040204" pitchFamily="34" charset="0"/>
                 </a:rPr>
-                <a:t> A lecture mode of a document can include a </a:t>
+                <a:t> </a:t>
               </a:r>
               <a:r>
-                <a:rPr lang="en-US" sz="2200" b="1" dirty="0">
+                <a:rPr lang="en-US" sz="2200" dirty="0" smtClean="0">
+                  <a:solidFill>
+                    <a:srgbClr val="16373A"/>
+                  </a:solidFill>
+                  <a:latin typeface="Verdana" panose="020B0604030504040204" pitchFamily="34" charset="0"/>
+                  <a:ea typeface="Verdana" panose="020B0604030504040204" pitchFamily="34" charset="0"/>
+                  <a:cs typeface="Verdana" panose="020B0604030504040204" pitchFamily="34" charset="0"/>
+                </a:rPr>
+                <a:t>can use a </a:t>
+              </a:r>
+              <a:r>
+                <a:rPr lang="en-US" sz="2200" dirty="0">
+                  <a:solidFill>
+                    <a:srgbClr val="16373A"/>
+                  </a:solidFill>
+                  <a:latin typeface="Verdana" panose="020B0604030504040204" pitchFamily="34" charset="0"/>
+                  <a:ea typeface="Verdana" panose="020B0604030504040204" pitchFamily="34" charset="0"/>
+                  <a:cs typeface="Verdana" panose="020B0604030504040204" pitchFamily="34" charset="0"/>
+                </a:rPr>
+                <a:t>lecture mode </a:t>
+              </a:r>
+              <a:r>
+                <a:rPr lang="en-US" sz="2200" dirty="0" smtClean="0">
+                  <a:solidFill>
+                    <a:srgbClr val="16373A"/>
+                  </a:solidFill>
+                  <a:latin typeface="Verdana" panose="020B0604030504040204" pitchFamily="34" charset="0"/>
+                  <a:ea typeface="Verdana" panose="020B0604030504040204" pitchFamily="34" charset="0"/>
+                  <a:cs typeface="Verdana" panose="020B0604030504040204" pitchFamily="34" charset="0"/>
+                </a:rPr>
+                <a:t>with a </a:t>
+              </a:r>
+              <a:r>
+                <a:rPr lang="en-US" sz="2200" b="1" dirty="0" smtClean="0">
                   <a:solidFill>
                     <a:srgbClr val="16373A"/>
                   </a:solidFill>
@@ -4577,7 +4550,7 @@
                 <a:t>lecture wall</a:t>
               </a:r>
               <a:r>
-                <a:rPr lang="en-US" sz="2200" dirty="0">
+                <a:rPr lang="en-US" sz="2200" dirty="0" smtClean="0">
                   <a:solidFill>
                     <a:srgbClr val="16373A"/>
                   </a:solidFill>
@@ -4585,29 +4558,7 @@
                   <a:ea typeface="Verdana" panose="020B0604030504040204" pitchFamily="34" charset="0"/>
                   <a:cs typeface="Verdana" panose="020B0604030504040204" pitchFamily="34" charset="0"/>
                 </a:rPr>
-                <a:t>, a </a:t>
-              </a:r>
-              <a:r>
-                <a:rPr lang="en-US" sz="2200" b="1" dirty="0">
-                  <a:solidFill>
-                    <a:srgbClr val="16373A"/>
-                  </a:solidFill>
-                  <a:latin typeface="Verdana" panose="020B0604030504040204" pitchFamily="34" charset="0"/>
-                  <a:ea typeface="Verdana" panose="020B0604030504040204" pitchFamily="34" charset="0"/>
-                  <a:cs typeface="Verdana" panose="020B0604030504040204" pitchFamily="34" charset="0"/>
-                </a:rPr>
-                <a:t>slide show  </a:t>
-              </a:r>
-              <a:r>
-                <a:rPr lang="en-US" sz="2200" dirty="0">
-                  <a:solidFill>
-                    <a:srgbClr val="16373A"/>
-                  </a:solidFill>
-                  <a:latin typeface="Verdana" panose="020B0604030504040204" pitchFamily="34" charset="0"/>
-                  <a:ea typeface="Verdana" panose="020B0604030504040204" pitchFamily="34" charset="0"/>
-                  <a:cs typeface="Verdana" panose="020B0604030504040204" pitchFamily="34" charset="0"/>
-                </a:rPr>
-                <a:t>view and </a:t>
+                <a:t> and </a:t>
               </a:r>
               <a:r>
                 <a:rPr lang="en-US" sz="2200" b="1" dirty="0">
@@ -4629,9 +4580,53 @@
                   <a:ea typeface="Verdana" panose="020B0604030504040204" pitchFamily="34" charset="0"/>
                   <a:cs typeface="Verdana" panose="020B0604030504040204" pitchFamily="34" charset="0"/>
                 </a:rPr>
-                <a:t> tools</a:t>
+                <a:t> </a:t>
               </a:r>
-              <a:endParaRPr lang="fi-FI" sz="1800" i="1" dirty="0">
+              <a:r>
+                <a:rPr lang="en-US" sz="2200" dirty="0" smtClean="0">
+                  <a:solidFill>
+                    <a:srgbClr val="16373A"/>
+                  </a:solidFill>
+                  <a:latin typeface="Verdana" panose="020B0604030504040204" pitchFamily="34" charset="0"/>
+                  <a:ea typeface="Verdana" panose="020B0604030504040204" pitchFamily="34" charset="0"/>
+                  <a:cs typeface="Verdana" panose="020B0604030504040204" pitchFamily="34" charset="0"/>
+                </a:rPr>
+                <a:t>tools </a:t>
+              </a:r>
+              <a:r>
+                <a:rPr lang="en-US" sz="2200" dirty="0">
+                  <a:solidFill>
+                    <a:srgbClr val="16373A"/>
+                  </a:solidFill>
+                  <a:latin typeface="Verdana" panose="020B0604030504040204" pitchFamily="34" charset="0"/>
+                  <a:ea typeface="Verdana" panose="020B0604030504040204" pitchFamily="34" charset="0"/>
+                  <a:cs typeface="Verdana" panose="020B0604030504040204" pitchFamily="34" charset="0"/>
+                </a:rPr>
+                <a:t>as </a:t>
+              </a:r>
+              <a:r>
+                <a:rPr lang="en-US" sz="2200" dirty="0" smtClean="0">
+                  <a:solidFill>
+                    <a:srgbClr val="16373A"/>
+                  </a:solidFill>
+                  <a:latin typeface="Verdana" panose="020B0604030504040204" pitchFamily="34" charset="0"/>
+                  <a:ea typeface="Verdana" panose="020B0604030504040204" pitchFamily="34" charset="0"/>
+                  <a:cs typeface="Verdana" panose="020B0604030504040204" pitchFamily="34" charset="0"/>
+                </a:rPr>
+                <a:t>well as a </a:t>
+              </a:r>
+              <a:r>
+                <a:rPr lang="en-US" sz="2200" b="1" dirty="0" smtClean="0">
+                  <a:solidFill>
+                    <a:srgbClr val="16373A"/>
+                  </a:solidFill>
+                  <a:latin typeface="Verdana" panose="020B0604030504040204" pitchFamily="34" charset="0"/>
+                  <a:ea typeface="Verdana" panose="020B0604030504040204" pitchFamily="34" charset="0"/>
+                  <a:cs typeface="Verdana" panose="020B0604030504040204" pitchFamily="34" charset="0"/>
+                </a:rPr>
+                <a:t>slide show</a:t>
+              </a:r>
+              <a:endParaRPr lang="fi-FI" sz="1800" b="1" i="1" dirty="0">
                 <a:solidFill>
                   <a:srgbClr val="16373A"/>
                 </a:solidFill>
@@ -4666,7 +4661,7 @@
             <p:nvPr/>
           </p:nvPicPr>
           <p:blipFill>
-            <a:blip r:embed="rId19" cstate="print">
+            <a:blip r:embed="rId18" cstate="print">
               <a:extLst>
                 <a:ext uri="{28A0092B-C50C-407E-A947-70E740481C1C}">
                   <a14:useLocalDpi xmlns:a14="http://schemas.microsoft.com/office/drawing/2010/main" val="0"/>
@@ -4795,6 +4790,402 @@
               <a:rPr lang="en-US" sz="2400" dirty="0"/>
               <a:t>https://tim.jyu.fi    tim@jyu.fi</a:t>
             </a:r>
+          </a:p>
+        </p:txBody>
+      </p:sp>
+      <p:pic>
+        <p:nvPicPr>
+          <p:cNvPr id="37" name="Kuva 6" descr="Kuva, joka sisältää kohteen tietokone&#10;&#10;Kuvaus luotu automaattisesti"/>
+          <p:cNvPicPr>
+            <a:picLocks noChangeAspect="1" noChangeArrowheads="1"/>
+          </p:cNvPicPr>
+          <p:nvPr/>
+        </p:nvPicPr>
+        <p:blipFill>
+          <a:blip r:embed="rId19" cstate="print">
+            <a:extLst>
+              <a:ext uri="{28A0092B-C50C-407E-A947-70E740481C1C}">
+                <a14:useLocalDpi xmlns:a14="http://schemas.microsoft.com/office/drawing/2010/main" val="0"/>
+              </a:ext>
+            </a:extLst>
+          </a:blip>
+          <a:srcRect/>
+          <a:stretch>
+            <a:fillRect/>
+          </a:stretch>
+        </p:blipFill>
+        <p:spPr bwMode="auto">
+          <a:xfrm rot="20431628">
+            <a:off x="7808197" y="731864"/>
+            <a:ext cx="5403868" cy="13313296"/>
+          </a:xfrm>
+          <a:prstGeom prst="rect">
+            <a:avLst/>
+          </a:prstGeom>
+          <a:noFill/>
+          <a:ln>
+            <a:noFill/>
+          </a:ln>
+          <a:extLst>
+            <a:ext uri="{909E8E84-426E-40DD-AFC4-6F175D3DCCD1}">
+              <a14:hiddenFill xmlns:a14="http://schemas.microsoft.com/office/drawing/2010/main">
+                <a:solidFill>
+                  <a:srgbClr val="FFFFFF"/>
+                </a:solidFill>
+              </a14:hiddenFill>
+            </a:ext>
+            <a:ext uri="{91240B29-F687-4F45-9708-019B960494DF}">
+              <a14:hiddenLine xmlns:a14="http://schemas.microsoft.com/office/drawing/2010/main" w="9525">
+                <a:solidFill>
+                  <a:srgbClr val="000000"/>
+                </a:solidFill>
+                <a:miter lim="800000"/>
+                <a:headEnd/>
+                <a:tailEnd/>
+              </a14:hiddenLine>
+            </a:ext>
+          </a:extLst>
+        </p:spPr>
+      </p:pic>
+      <p:sp>
+        <p:nvSpPr>
+          <p:cNvPr id="36" name="Rounded Rectangle 35"/>
+          <p:cNvSpPr/>
+          <p:nvPr/>
+        </p:nvSpPr>
+        <p:spPr>
+          <a:xfrm>
+            <a:off x="5004768" y="10443425"/>
+            <a:ext cx="5688632" cy="3945039"/>
+          </a:xfrm>
+          <a:prstGeom prst="roundRect">
+            <a:avLst>
+              <a:gd name="adj" fmla="val 25116"/>
+            </a:avLst>
+          </a:prstGeom>
+          <a:solidFill>
+            <a:srgbClr val="ECF7F8"/>
+          </a:solidFill>
+          <a:ln>
+            <a:solidFill>
+              <a:srgbClr val="ABDBDF"/>
+            </a:solidFill>
+          </a:ln>
+        </p:spPr>
+        <p:style>
+          <a:lnRef idx="1">
+            <a:schemeClr val="accent5"/>
+          </a:lnRef>
+          <a:fillRef idx="2">
+            <a:schemeClr val="accent5"/>
+          </a:fillRef>
+          <a:effectRef idx="1">
+            <a:schemeClr val="accent5"/>
+          </a:effectRef>
+          <a:fontRef idx="minor">
+            <a:schemeClr val="dk1"/>
+          </a:fontRef>
+        </p:style>
+        <p:txBody>
+          <a:bodyPr rtlCol="0" anchor="ctr"/>
+          <a:lstStyle/>
+          <a:p>
+            <a:pPr algn="ctr"/>
+            <a:r>
+              <a:rPr lang="en-US" sz="2200" b="1" dirty="0" smtClean="0">
+                <a:solidFill>
+                  <a:srgbClr val="16373A"/>
+                </a:solidFill>
+                <a:latin typeface="Verdana" panose="020B0604030504040204" pitchFamily="34" charset="0"/>
+                <a:ea typeface="Verdana" panose="020B0604030504040204" pitchFamily="34" charset="0"/>
+                <a:cs typeface="Verdana" panose="020B0604030504040204" pitchFamily="34" charset="0"/>
+              </a:rPr>
+              <a:t>Reader</a:t>
+            </a:r>
+            <a:endParaRPr lang="en-US" sz="2200" b="1" dirty="0">
+              <a:solidFill>
+                <a:srgbClr val="16373A"/>
+              </a:solidFill>
+              <a:latin typeface="Verdana" panose="020B0604030504040204" pitchFamily="34" charset="0"/>
+              <a:ea typeface="Verdana" panose="020B0604030504040204" pitchFamily="34" charset="0"/>
+              <a:cs typeface="Verdana" panose="020B0604030504040204" pitchFamily="34" charset="0"/>
+            </a:endParaRPr>
+          </a:p>
+          <a:p>
+            <a:pPr algn="ctr"/>
+            <a:endParaRPr lang="fi-FI" sz="2200" b="1" dirty="0">
+              <a:solidFill>
+                <a:srgbClr val="16373A"/>
+              </a:solidFill>
+              <a:latin typeface="Verdana" panose="020B0604030504040204" pitchFamily="34" charset="0"/>
+              <a:ea typeface="Verdana" panose="020B0604030504040204" pitchFamily="34" charset="0"/>
+              <a:cs typeface="Verdana" panose="020B0604030504040204" pitchFamily="34" charset="0"/>
+            </a:endParaRPr>
+          </a:p>
+          <a:p>
+            <a:pPr marL="285750" indent="-285750" algn="ctr">
+              <a:buFont typeface="Arial" panose="020B0604020202020204" pitchFamily="34" charset="0"/>
+              <a:buChar char="•"/>
+            </a:pPr>
+            <a:r>
+              <a:rPr lang="en-US" sz="2200" dirty="0" smtClean="0">
+                <a:solidFill>
+                  <a:srgbClr val="16373A"/>
+                </a:solidFill>
+                <a:latin typeface="Verdana" panose="020B0604030504040204" pitchFamily="34" charset="0"/>
+                <a:ea typeface="Verdana" panose="020B0604030504040204" pitchFamily="34" charset="0"/>
+                <a:cs typeface="Verdana" panose="020B0604030504040204" pitchFamily="34" charset="0"/>
+              </a:rPr>
+              <a:t>can </a:t>
+            </a:r>
+            <a:r>
+              <a:rPr lang="en-US" sz="2200" dirty="0">
+                <a:solidFill>
+                  <a:srgbClr val="16373A"/>
+                </a:solidFill>
+                <a:latin typeface="Verdana" panose="020B0604030504040204" pitchFamily="34" charset="0"/>
+                <a:ea typeface="Verdana" panose="020B0604030504040204" pitchFamily="34" charset="0"/>
+                <a:cs typeface="Verdana" panose="020B0604030504040204" pitchFamily="34" charset="0"/>
+              </a:rPr>
+              <a:t>do the </a:t>
+            </a:r>
+            <a:r>
+              <a:rPr lang="en-US" sz="2200" b="1" dirty="0">
+                <a:solidFill>
+                  <a:srgbClr val="16373A"/>
+                </a:solidFill>
+                <a:latin typeface="Verdana" panose="020B0604030504040204" pitchFamily="34" charset="0"/>
+                <a:ea typeface="Verdana" panose="020B0604030504040204" pitchFamily="34" charset="0"/>
+                <a:cs typeface="Verdana" panose="020B0604030504040204" pitchFamily="34" charset="0"/>
+              </a:rPr>
+              <a:t>assignments</a:t>
+            </a:r>
+            <a:r>
+              <a:rPr lang="en-US" sz="2200" dirty="0">
+                <a:solidFill>
+                  <a:srgbClr val="16373A"/>
+                </a:solidFill>
+                <a:latin typeface="Verdana" panose="020B0604030504040204" pitchFamily="34" charset="0"/>
+                <a:ea typeface="Verdana" panose="020B0604030504040204" pitchFamily="34" charset="0"/>
+                <a:cs typeface="Verdana" panose="020B0604030504040204" pitchFamily="34" charset="0"/>
+              </a:rPr>
+              <a:t> that are embedded in </a:t>
+            </a:r>
+            <a:r>
+              <a:rPr lang="en-US" sz="2200" dirty="0" smtClean="0">
+                <a:solidFill>
+                  <a:srgbClr val="16373A"/>
+                </a:solidFill>
+                <a:latin typeface="Verdana" panose="020B0604030504040204" pitchFamily="34" charset="0"/>
+                <a:ea typeface="Verdana" panose="020B0604030504040204" pitchFamily="34" charset="0"/>
+                <a:cs typeface="Verdana" panose="020B0604030504040204" pitchFamily="34" charset="0"/>
+              </a:rPr>
+              <a:t>the material</a:t>
+            </a:r>
+            <a:endParaRPr lang="en-US" sz="2200" dirty="0">
+              <a:solidFill>
+                <a:srgbClr val="16373A"/>
+              </a:solidFill>
+              <a:latin typeface="Verdana" panose="020B0604030504040204" pitchFamily="34" charset="0"/>
+              <a:ea typeface="Verdana" panose="020B0604030504040204" pitchFamily="34" charset="0"/>
+              <a:cs typeface="Verdana" panose="020B0604030504040204" pitchFamily="34" charset="0"/>
+            </a:endParaRPr>
+          </a:p>
+          <a:p>
+            <a:pPr marL="285750" indent="-285750" algn="ctr">
+              <a:buFont typeface="Arial" panose="020B0604020202020204" pitchFamily="34" charset="0"/>
+              <a:buChar char="•"/>
+            </a:pPr>
+            <a:r>
+              <a:rPr lang="en-US" sz="2200" dirty="0">
+                <a:solidFill>
+                  <a:srgbClr val="16373A"/>
+                </a:solidFill>
+                <a:latin typeface="Verdana" panose="020B0604030504040204" pitchFamily="34" charset="0"/>
+                <a:ea typeface="Verdana" panose="020B0604030504040204" pitchFamily="34" charset="0"/>
+                <a:cs typeface="Verdana" panose="020B0604030504040204" pitchFamily="34" charset="0"/>
+              </a:rPr>
+              <a:t> </a:t>
+            </a:r>
+            <a:r>
+              <a:rPr lang="en-US" sz="2200" dirty="0" smtClean="0">
+                <a:solidFill>
+                  <a:srgbClr val="16373A"/>
+                </a:solidFill>
+                <a:latin typeface="Verdana" panose="020B0604030504040204" pitchFamily="34" charset="0"/>
+                <a:ea typeface="Verdana" panose="020B0604030504040204" pitchFamily="34" charset="0"/>
+                <a:cs typeface="Verdana" panose="020B0604030504040204" pitchFamily="34" charset="0"/>
+              </a:rPr>
+              <a:t>can use </a:t>
+            </a:r>
+            <a:r>
+              <a:rPr lang="en-US" sz="2200" b="1" dirty="0" smtClean="0">
+                <a:solidFill>
+                  <a:srgbClr val="16373A"/>
+                </a:solidFill>
+                <a:latin typeface="Verdana" panose="020B0604030504040204" pitchFamily="34" charset="0"/>
+                <a:ea typeface="Verdana" panose="020B0604030504040204" pitchFamily="34" charset="0"/>
+                <a:cs typeface="Verdana" panose="020B0604030504040204" pitchFamily="34" charset="0"/>
+              </a:rPr>
+              <a:t>o</a:t>
+            </a:r>
+            <a:r>
+              <a:rPr lang="en-US" sz="2200" b="1" dirty="0" smtClean="0">
+                <a:solidFill>
+                  <a:srgbClr val="16373A"/>
+                </a:solidFill>
+                <a:latin typeface="Verdana" panose="020B0604030504040204" pitchFamily="34" charset="0"/>
+                <a:ea typeface="Verdana" panose="020B0604030504040204" pitchFamily="34" charset="0"/>
+                <a:cs typeface="Verdana" panose="020B0604030504040204" pitchFamily="34" charset="0"/>
+              </a:rPr>
+              <a:t>range </a:t>
+            </a:r>
+            <a:r>
+              <a:rPr lang="en-US" sz="2200" b="1" dirty="0">
+                <a:solidFill>
+                  <a:srgbClr val="16373A"/>
+                </a:solidFill>
+                <a:latin typeface="Verdana" panose="020B0604030504040204" pitchFamily="34" charset="0"/>
+                <a:ea typeface="Verdana" panose="020B0604030504040204" pitchFamily="34" charset="0"/>
+                <a:cs typeface="Verdana" panose="020B0604030504040204" pitchFamily="34" charset="0"/>
+              </a:rPr>
+              <a:t>indicators</a:t>
+            </a:r>
+            <a:r>
+              <a:rPr lang="en-US" sz="2200" dirty="0">
+                <a:solidFill>
+                  <a:srgbClr val="16373A"/>
+                </a:solidFill>
+                <a:latin typeface="Verdana" panose="020B0604030504040204" pitchFamily="34" charset="0"/>
+                <a:ea typeface="Verdana" panose="020B0604030504040204" pitchFamily="34" charset="0"/>
+                <a:cs typeface="Verdana" panose="020B0604030504040204" pitchFamily="34" charset="0"/>
+              </a:rPr>
+              <a:t> </a:t>
+            </a:r>
+            <a:r>
+              <a:rPr lang="en-US" sz="2200" dirty="0" smtClean="0">
+                <a:solidFill>
+                  <a:srgbClr val="16373A"/>
+                </a:solidFill>
+                <a:latin typeface="Verdana" panose="020B0604030504040204" pitchFamily="34" charset="0"/>
+                <a:ea typeface="Verdana" panose="020B0604030504040204" pitchFamily="34" charset="0"/>
+                <a:cs typeface="Verdana" panose="020B0604030504040204" pitchFamily="34" charset="0"/>
+              </a:rPr>
+              <a:t>that appear </a:t>
+            </a:r>
+            <a:r>
+              <a:rPr lang="en-US" sz="2200" dirty="0">
+                <a:solidFill>
+                  <a:srgbClr val="16373A"/>
+                </a:solidFill>
+                <a:latin typeface="Verdana" panose="020B0604030504040204" pitchFamily="34" charset="0"/>
+                <a:ea typeface="Verdana" panose="020B0604030504040204" pitchFamily="34" charset="0"/>
+                <a:cs typeface="Verdana" panose="020B0604030504040204" pitchFamily="34" charset="0"/>
+              </a:rPr>
+              <a:t>next to unread text paragraphs</a:t>
+            </a:r>
+          </a:p>
+          <a:p>
+            <a:pPr marL="285750" indent="-285750" algn="ctr">
+              <a:buFont typeface="Arial" panose="020B0604020202020204" pitchFamily="34" charset="0"/>
+              <a:buChar char="•"/>
+            </a:pPr>
+            <a:r>
+              <a:rPr lang="en-US" sz="2200" dirty="0" smtClean="0">
+                <a:solidFill>
+                  <a:srgbClr val="16373A"/>
+                </a:solidFill>
+                <a:latin typeface="Verdana" panose="020B0604030504040204" pitchFamily="34" charset="0"/>
+                <a:ea typeface="Verdana" panose="020B0604030504040204" pitchFamily="34" charset="0"/>
+                <a:cs typeface="Verdana" panose="020B0604030504040204" pitchFamily="34" charset="0"/>
+              </a:rPr>
+              <a:t>can </a:t>
+            </a:r>
+            <a:r>
+              <a:rPr lang="en-US" sz="2200" b="1" dirty="0" smtClean="0">
+                <a:solidFill>
+                  <a:srgbClr val="16373A"/>
+                </a:solidFill>
+                <a:latin typeface="Verdana" panose="020B0604030504040204" pitchFamily="34" charset="0"/>
+                <a:ea typeface="Verdana" panose="020B0604030504040204" pitchFamily="34" charset="0"/>
+                <a:cs typeface="Verdana" panose="020B0604030504040204" pitchFamily="34" charset="0"/>
+              </a:rPr>
+              <a:t>comment</a:t>
+            </a:r>
+            <a:r>
+              <a:rPr lang="en-US" sz="2200" dirty="0" smtClean="0">
+                <a:solidFill>
+                  <a:srgbClr val="16373A"/>
+                </a:solidFill>
+                <a:latin typeface="Verdana" panose="020B0604030504040204" pitchFamily="34" charset="0"/>
+                <a:ea typeface="Verdana" panose="020B0604030504040204" pitchFamily="34" charset="0"/>
+                <a:cs typeface="Verdana" panose="020B0604030504040204" pitchFamily="34" charset="0"/>
+              </a:rPr>
+              <a:t> the</a:t>
+            </a:r>
+            <a:r>
+              <a:rPr lang="en-US" sz="2200" b="1" dirty="0" smtClean="0">
+                <a:solidFill>
+                  <a:srgbClr val="16373A"/>
+                </a:solidFill>
+                <a:latin typeface="Verdana" panose="020B0604030504040204" pitchFamily="34" charset="0"/>
+                <a:ea typeface="Verdana" panose="020B0604030504040204" pitchFamily="34" charset="0"/>
+                <a:cs typeface="Verdana" panose="020B0604030504040204" pitchFamily="34" charset="0"/>
+              </a:rPr>
+              <a:t> </a:t>
+            </a:r>
+            <a:r>
+              <a:rPr lang="en-US" sz="2200" dirty="0" smtClean="0">
+                <a:solidFill>
+                  <a:srgbClr val="16373A"/>
+                </a:solidFill>
+                <a:latin typeface="Verdana" panose="020B0604030504040204" pitchFamily="34" charset="0"/>
+                <a:ea typeface="Verdana" panose="020B0604030504040204" pitchFamily="34" charset="0"/>
+                <a:cs typeface="Verdana" panose="020B0604030504040204" pitchFamily="34" charset="0"/>
+              </a:rPr>
+              <a:t>material p</a:t>
+            </a:r>
+            <a:r>
+              <a:rPr lang="en-US" sz="2200" dirty="0" smtClean="0">
+                <a:solidFill>
+                  <a:srgbClr val="16373A"/>
+                </a:solidFill>
+                <a:latin typeface="Verdana" panose="020B0604030504040204" pitchFamily="34" charset="0"/>
+                <a:ea typeface="Verdana" panose="020B0604030504040204" pitchFamily="34" charset="0"/>
+                <a:cs typeface="Verdana" panose="020B0604030504040204" pitchFamily="34" charset="0"/>
+              </a:rPr>
+              <a:t>rivately</a:t>
+            </a:r>
+            <a:r>
+              <a:rPr lang="en-US" sz="2200" dirty="0" smtClean="0">
+                <a:solidFill>
+                  <a:srgbClr val="16373A"/>
+                </a:solidFill>
+                <a:latin typeface="Verdana" panose="020B0604030504040204" pitchFamily="34" charset="0"/>
+                <a:ea typeface="Verdana" panose="020B0604030504040204" pitchFamily="34" charset="0"/>
+                <a:cs typeface="Verdana" panose="020B0604030504040204" pitchFamily="34" charset="0"/>
+              </a:rPr>
+              <a:t> </a:t>
+            </a:r>
+            <a:r>
+              <a:rPr lang="en-US" sz="2200" dirty="0">
+                <a:solidFill>
+                  <a:srgbClr val="16373A"/>
+                </a:solidFill>
+                <a:latin typeface="Verdana" panose="020B0604030504040204" pitchFamily="34" charset="0"/>
+                <a:ea typeface="Verdana" panose="020B0604030504040204" pitchFamily="34" charset="0"/>
+                <a:cs typeface="Verdana" panose="020B0604030504040204" pitchFamily="34" charset="0"/>
+              </a:rPr>
+              <a:t>or publicly</a:t>
+            </a:r>
+            <a:endParaRPr lang="fi-FI" sz="2200" dirty="0">
+              <a:solidFill>
+                <a:srgbClr val="16373A"/>
+              </a:solidFill>
+              <a:latin typeface="Verdana" panose="020B0604030504040204" pitchFamily="34" charset="0"/>
+              <a:ea typeface="Verdana" panose="020B0604030504040204" pitchFamily="34" charset="0"/>
+              <a:cs typeface="Verdana" panose="020B0604030504040204" pitchFamily="34" charset="0"/>
+            </a:endParaRPr>
           </a:p>
         </p:txBody>
       </p:sp>
